--- a/IDERA/cac-styles.pptx
+++ b/IDERA/cac-styles.pptx
@@ -2295,7 +2295,7 @@
         <p:txBody>
           <a:bodyPr/>
           <a:p>
-            <a:fld id="{D4E43D83-6341-4487-A7D2-A9ABE0F68E60}" type="slidenum">
+            <a:fld id="{6BF6DA57-8B16-4ED1-8752-6EC93B181DA0}" type="slidenum">
               <a:t>&lt;#&gt;</a:t>
             </a:fld>
           </a:p>
@@ -2346,7 +2346,7 @@
       </p:grpSpPr>
       <p:sp>
         <p:nvSpPr>
-          <p:cNvPr id="196" name="PlaceHolder 1"/>
+          <p:cNvPr id="198" name="PlaceHolder 1"/>
           <p:cNvSpPr>
             <a:spLocks noGrp="1"/>
           </p:cNvSpPr>
@@ -2383,7 +2383,7 @@
       </p:sp>
       <p:sp>
         <p:nvSpPr>
-          <p:cNvPr id="197" name="PlaceHolder 2"/>
+          <p:cNvPr id="199" name="PlaceHolder 2"/>
           <p:cNvSpPr>
             <a:spLocks noGrp="1"/>
           </p:cNvSpPr>
@@ -2452,7 +2452,7 @@
         <p:txBody>
           <a:bodyPr/>
           <a:p>
-            <a:fld id="{A7EE472C-54AD-4CE2-B8F9-8093FF8E9727}" type="slidenum">
+            <a:fld id="{67B1EEEB-AB45-4110-B8D1-F3DC060F594A}" type="slidenum">
               <a:t>&lt;#&gt;</a:t>
             </a:fld>
           </a:p>
@@ -2503,7 +2503,7 @@
       </p:grpSpPr>
       <p:sp>
         <p:nvSpPr>
-          <p:cNvPr id="198" name="PlaceHolder 1"/>
+          <p:cNvPr id="200" name="PlaceHolder 1"/>
           <p:cNvSpPr>
             <a:spLocks noGrp="1"/>
           </p:cNvSpPr>
@@ -2540,7 +2540,7 @@
       </p:sp>
       <p:sp>
         <p:nvSpPr>
-          <p:cNvPr id="199" name="PlaceHolder 2"/>
+          <p:cNvPr id="201" name="PlaceHolder 2"/>
           <p:cNvSpPr>
             <a:spLocks noGrp="1"/>
           </p:cNvSpPr>
@@ -2606,7 +2606,7 @@
         <p:txBody>
           <a:bodyPr/>
           <a:p>
-            <a:fld id="{CE0363BC-1C79-4959-AEC6-0B617542E89F}" type="slidenum">
+            <a:fld id="{471BBC31-C01F-47C3-A7CB-2E8E28272DFF}" type="slidenum">
               <a:t>&lt;#&gt;</a:t>
             </a:fld>
           </a:p>
@@ -2657,7 +2657,7 @@
       </p:grpSpPr>
       <p:sp>
         <p:nvSpPr>
-          <p:cNvPr id="200" name="PlaceHolder 1"/>
+          <p:cNvPr id="202" name="PlaceHolder 1"/>
           <p:cNvSpPr>
             <a:spLocks noGrp="1"/>
           </p:cNvSpPr>
@@ -2694,7 +2694,7 @@
       </p:sp>
       <p:sp>
         <p:nvSpPr>
-          <p:cNvPr id="201" name="PlaceHolder 2"/>
+          <p:cNvPr id="203" name="PlaceHolder 2"/>
           <p:cNvSpPr>
             <a:spLocks noGrp="1"/>
           </p:cNvSpPr>
@@ -2728,7 +2728,7 @@
       </p:sp>
       <p:sp>
         <p:nvSpPr>
-          <p:cNvPr id="202" name="PlaceHolder 3"/>
+          <p:cNvPr id="204" name="PlaceHolder 3"/>
           <p:cNvSpPr>
             <a:spLocks noGrp="1"/>
           </p:cNvSpPr>
@@ -2794,7 +2794,7 @@
         <p:txBody>
           <a:bodyPr/>
           <a:p>
-            <a:fld id="{68E32CEC-11D4-4D47-A4D6-D69E0E46A828}" type="slidenum">
+            <a:fld id="{492B86AA-C42C-442C-8697-5C42DA3EB17A}" type="slidenum">
               <a:t>&lt;#&gt;</a:t>
             </a:fld>
           </a:p>
@@ -2845,7 +2845,7 @@
       </p:grpSpPr>
       <p:sp>
         <p:nvSpPr>
-          <p:cNvPr id="203" name="PlaceHolder 1"/>
+          <p:cNvPr id="205" name="PlaceHolder 1"/>
           <p:cNvSpPr>
             <a:spLocks noGrp="1"/>
           </p:cNvSpPr>
@@ -2914,7 +2914,7 @@
         <p:txBody>
           <a:bodyPr/>
           <a:p>
-            <a:fld id="{65E2074B-214A-48D8-9ACE-B108D328B16C}" type="slidenum">
+            <a:fld id="{EC15C3A1-5193-4FF2-A318-3C66B7BC8590}" type="slidenum">
               <a:t>&lt;#&gt;</a:t>
             </a:fld>
           </a:p>
@@ -3058,7 +3058,7 @@
       </p:grpSpPr>
       <p:sp>
         <p:nvSpPr>
-          <p:cNvPr id="204" name="PlaceHolder 1"/>
+          <p:cNvPr id="206" name="PlaceHolder 1"/>
           <p:cNvSpPr>
             <a:spLocks noGrp="1"/>
           </p:cNvSpPr>
@@ -3127,7 +3127,7 @@
         <p:txBody>
           <a:bodyPr/>
           <a:p>
-            <a:fld id="{8BD32368-7970-4D91-A230-69E0658FAB70}" type="slidenum">
+            <a:fld id="{C18F7228-25AD-401C-8054-2CCECD11BA1D}" type="slidenum">
               <a:t>&lt;#&gt;</a:t>
             </a:fld>
           </a:p>
@@ -3178,7 +3178,7 @@
       </p:grpSpPr>
       <p:sp>
         <p:nvSpPr>
-          <p:cNvPr id="205" name="PlaceHolder 1"/>
+          <p:cNvPr id="207" name="PlaceHolder 1"/>
           <p:cNvSpPr>
             <a:spLocks noGrp="1"/>
           </p:cNvSpPr>
@@ -3215,7 +3215,7 @@
       </p:sp>
       <p:sp>
         <p:nvSpPr>
-          <p:cNvPr id="206" name="PlaceHolder 2"/>
+          <p:cNvPr id="208" name="PlaceHolder 2"/>
           <p:cNvSpPr>
             <a:spLocks noGrp="1"/>
           </p:cNvSpPr>
@@ -3249,7 +3249,7 @@
       </p:sp>
       <p:sp>
         <p:nvSpPr>
-          <p:cNvPr id="207" name="PlaceHolder 3"/>
+          <p:cNvPr id="209" name="PlaceHolder 3"/>
           <p:cNvSpPr>
             <a:spLocks noGrp="1"/>
           </p:cNvSpPr>
@@ -3283,7 +3283,7 @@
       </p:sp>
       <p:sp>
         <p:nvSpPr>
-          <p:cNvPr id="208" name="PlaceHolder 4"/>
+          <p:cNvPr id="210" name="PlaceHolder 4"/>
           <p:cNvSpPr>
             <a:spLocks noGrp="1"/>
           </p:cNvSpPr>
@@ -3349,7 +3349,7 @@
         <p:txBody>
           <a:bodyPr/>
           <a:p>
-            <a:fld id="{2DD58B77-444D-43FA-B2C5-69AED1E6920E}" type="slidenum">
+            <a:fld id="{ED6EAE70-5515-431D-BA26-B6512FBA1B7E}" type="slidenum">
               <a:t>&lt;#&gt;</a:t>
             </a:fld>
           </a:p>
@@ -3400,7 +3400,7 @@
       </p:grpSpPr>
       <p:sp>
         <p:nvSpPr>
-          <p:cNvPr id="209" name="PlaceHolder 1"/>
+          <p:cNvPr id="211" name="PlaceHolder 1"/>
           <p:cNvSpPr>
             <a:spLocks noGrp="1"/>
           </p:cNvSpPr>
@@ -3437,7 +3437,7 @@
       </p:sp>
       <p:sp>
         <p:nvSpPr>
-          <p:cNvPr id="210" name="PlaceHolder 2"/>
+          <p:cNvPr id="212" name="PlaceHolder 2"/>
           <p:cNvSpPr>
             <a:spLocks noGrp="1"/>
           </p:cNvSpPr>
@@ -3471,7 +3471,7 @@
       </p:sp>
       <p:sp>
         <p:nvSpPr>
-          <p:cNvPr id="211" name="PlaceHolder 3"/>
+          <p:cNvPr id="213" name="PlaceHolder 3"/>
           <p:cNvSpPr>
             <a:spLocks noGrp="1"/>
           </p:cNvSpPr>
@@ -3505,7 +3505,7 @@
       </p:sp>
       <p:sp>
         <p:nvSpPr>
-          <p:cNvPr id="212" name="PlaceHolder 4"/>
+          <p:cNvPr id="214" name="PlaceHolder 4"/>
           <p:cNvSpPr>
             <a:spLocks noGrp="1"/>
           </p:cNvSpPr>
@@ -3571,7 +3571,7 @@
         <p:txBody>
           <a:bodyPr/>
           <a:p>
-            <a:fld id="{EAB9FE79-0691-44F7-9D75-C7B6638BC40A}" type="slidenum">
+            <a:fld id="{9B97161D-F980-4116-9859-50C27AEC8CBF}" type="slidenum">
               <a:t>&lt;#&gt;</a:t>
             </a:fld>
           </a:p>
@@ -3622,7 +3622,7 @@
       </p:grpSpPr>
       <p:sp>
         <p:nvSpPr>
-          <p:cNvPr id="213" name="PlaceHolder 1"/>
+          <p:cNvPr id="215" name="PlaceHolder 1"/>
           <p:cNvSpPr>
             <a:spLocks noGrp="1"/>
           </p:cNvSpPr>
@@ -3659,7 +3659,7 @@
       </p:sp>
       <p:sp>
         <p:nvSpPr>
-          <p:cNvPr id="214" name="PlaceHolder 2"/>
+          <p:cNvPr id="216" name="PlaceHolder 2"/>
           <p:cNvSpPr>
             <a:spLocks noGrp="1"/>
           </p:cNvSpPr>
@@ -3693,7 +3693,7 @@
       </p:sp>
       <p:sp>
         <p:nvSpPr>
-          <p:cNvPr id="215" name="PlaceHolder 3"/>
+          <p:cNvPr id="217" name="PlaceHolder 3"/>
           <p:cNvSpPr>
             <a:spLocks noGrp="1"/>
           </p:cNvSpPr>
@@ -3727,7 +3727,7 @@
       </p:sp>
       <p:sp>
         <p:nvSpPr>
-          <p:cNvPr id="216" name="PlaceHolder 4"/>
+          <p:cNvPr id="218" name="PlaceHolder 4"/>
           <p:cNvSpPr>
             <a:spLocks noGrp="1"/>
           </p:cNvSpPr>
@@ -3793,7 +3793,7 @@
         <p:txBody>
           <a:bodyPr/>
           <a:p>
-            <a:fld id="{60ACBB6A-5146-410D-894E-C230AF9A5A11}" type="slidenum">
+            <a:fld id="{E199F74F-6242-4D89-A309-281651468804}" type="slidenum">
               <a:t>&lt;#&gt;</a:t>
             </a:fld>
           </a:p>
@@ -3844,7 +3844,7 @@
       </p:grpSpPr>
       <p:sp>
         <p:nvSpPr>
-          <p:cNvPr id="217" name="PlaceHolder 1"/>
+          <p:cNvPr id="219" name="PlaceHolder 1"/>
           <p:cNvSpPr>
             <a:spLocks noGrp="1"/>
           </p:cNvSpPr>
@@ -3881,7 +3881,7 @@
       </p:sp>
       <p:sp>
         <p:nvSpPr>
-          <p:cNvPr id="218" name="PlaceHolder 2"/>
+          <p:cNvPr id="220" name="PlaceHolder 2"/>
           <p:cNvSpPr>
             <a:spLocks noGrp="1"/>
           </p:cNvSpPr>
@@ -3915,7 +3915,7 @@
       </p:sp>
       <p:sp>
         <p:nvSpPr>
-          <p:cNvPr id="219" name="PlaceHolder 3"/>
+          <p:cNvPr id="221" name="PlaceHolder 3"/>
           <p:cNvSpPr>
             <a:spLocks noGrp="1"/>
           </p:cNvSpPr>
@@ -3981,7 +3981,7 @@
         <p:txBody>
           <a:bodyPr/>
           <a:p>
-            <a:fld id="{1E130111-407A-4091-AF1F-948445208318}" type="slidenum">
+            <a:fld id="{21621960-9DAC-4E26-AF1A-B3EBB7DE6BCE}" type="slidenum">
               <a:t>&lt;#&gt;</a:t>
             </a:fld>
           </a:p>
@@ -4032,7 +4032,7 @@
       </p:grpSpPr>
       <p:sp>
         <p:nvSpPr>
-          <p:cNvPr id="220" name="PlaceHolder 1"/>
+          <p:cNvPr id="222" name="PlaceHolder 1"/>
           <p:cNvSpPr>
             <a:spLocks noGrp="1"/>
           </p:cNvSpPr>
@@ -4069,7 +4069,7 @@
       </p:sp>
       <p:sp>
         <p:nvSpPr>
-          <p:cNvPr id="221" name="PlaceHolder 2"/>
+          <p:cNvPr id="223" name="PlaceHolder 2"/>
           <p:cNvSpPr>
             <a:spLocks noGrp="1"/>
           </p:cNvSpPr>
@@ -4103,7 +4103,7 @@
       </p:sp>
       <p:sp>
         <p:nvSpPr>
-          <p:cNvPr id="222" name="PlaceHolder 3"/>
+          <p:cNvPr id="224" name="PlaceHolder 3"/>
           <p:cNvSpPr>
             <a:spLocks noGrp="1"/>
           </p:cNvSpPr>
@@ -4137,7 +4137,7 @@
       </p:sp>
       <p:sp>
         <p:nvSpPr>
-          <p:cNvPr id="223" name="PlaceHolder 4"/>
+          <p:cNvPr id="225" name="PlaceHolder 4"/>
           <p:cNvSpPr>
             <a:spLocks noGrp="1"/>
           </p:cNvSpPr>
@@ -4171,7 +4171,7 @@
       </p:sp>
       <p:sp>
         <p:nvSpPr>
-          <p:cNvPr id="224" name="PlaceHolder 5"/>
+          <p:cNvPr id="226" name="PlaceHolder 5"/>
           <p:cNvSpPr>
             <a:spLocks noGrp="1"/>
           </p:cNvSpPr>
@@ -4237,7 +4237,7 @@
         <p:txBody>
           <a:bodyPr/>
           <a:p>
-            <a:fld id="{9278C6D6-6DAA-4941-9509-F085D5F2C5BB}" type="slidenum">
+            <a:fld id="{44126615-F456-4364-8209-E34518A39219}" type="slidenum">
               <a:t>&lt;#&gt;</a:t>
             </a:fld>
           </a:p>
@@ -4288,7 +4288,7 @@
       </p:grpSpPr>
       <p:sp>
         <p:nvSpPr>
-          <p:cNvPr id="225" name="PlaceHolder 1"/>
+          <p:cNvPr id="227" name="PlaceHolder 1"/>
           <p:cNvSpPr>
             <a:spLocks noGrp="1"/>
           </p:cNvSpPr>
@@ -4325,7 +4325,7 @@
       </p:sp>
       <p:sp>
         <p:nvSpPr>
-          <p:cNvPr id="226" name="PlaceHolder 2"/>
+          <p:cNvPr id="228" name="PlaceHolder 2"/>
           <p:cNvSpPr>
             <a:spLocks noGrp="1"/>
           </p:cNvSpPr>
@@ -4359,7 +4359,7 @@
       </p:sp>
       <p:sp>
         <p:nvSpPr>
-          <p:cNvPr id="227" name="PlaceHolder 3"/>
+          <p:cNvPr id="229" name="PlaceHolder 3"/>
           <p:cNvSpPr>
             <a:spLocks noGrp="1"/>
           </p:cNvSpPr>
@@ -4393,7 +4393,7 @@
       </p:sp>
       <p:sp>
         <p:nvSpPr>
-          <p:cNvPr id="228" name="PlaceHolder 4"/>
+          <p:cNvPr id="230" name="PlaceHolder 4"/>
           <p:cNvSpPr>
             <a:spLocks noGrp="1"/>
           </p:cNvSpPr>
@@ -4427,7 +4427,7 @@
       </p:sp>
       <p:sp>
         <p:nvSpPr>
-          <p:cNvPr id="229" name="PlaceHolder 5"/>
+          <p:cNvPr id="231" name="PlaceHolder 5"/>
           <p:cNvSpPr>
             <a:spLocks noGrp="1"/>
           </p:cNvSpPr>
@@ -4461,7 +4461,7 @@
       </p:sp>
       <p:sp>
         <p:nvSpPr>
-          <p:cNvPr id="230" name="PlaceHolder 6"/>
+          <p:cNvPr id="232" name="PlaceHolder 6"/>
           <p:cNvSpPr>
             <a:spLocks noGrp="1"/>
           </p:cNvSpPr>
@@ -4495,7 +4495,7 @@
       </p:sp>
       <p:sp>
         <p:nvSpPr>
-          <p:cNvPr id="231" name="PlaceHolder 7"/>
+          <p:cNvPr id="233" name="PlaceHolder 7"/>
           <p:cNvSpPr>
             <a:spLocks noGrp="1"/>
           </p:cNvSpPr>
@@ -4561,7 +4561,7 @@
         <p:txBody>
           <a:bodyPr/>
           <a:p>
-            <a:fld id="{5978C9C5-6065-4117-8552-5A94BD94DC1A}" type="slidenum">
+            <a:fld id="{2CD6CD33-75C3-48B6-88CD-A81DAD94EC0D}" type="slidenum">
               <a:t>&lt;#&gt;</a:t>
             </a:fld>
           </a:p>
@@ -4644,7 +4644,7 @@
         <p:txBody>
           <a:bodyPr/>
           <a:p>
-            <a:fld id="{4AAD142E-4091-4897-8553-06F854FD000B}" type="slidenum">
+            <a:fld id="{23886CFB-3728-4A68-972F-A23349441BCA}" type="slidenum">
               <a:t>&lt;#&gt;</a:t>
             </a:fld>
           </a:p>
@@ -4695,7 +4695,7 @@
       </p:grpSpPr>
       <p:sp>
         <p:nvSpPr>
-          <p:cNvPr id="238" name="PlaceHolder 1"/>
+          <p:cNvPr id="240" name="PlaceHolder 1"/>
           <p:cNvSpPr>
             <a:spLocks noGrp="1"/>
           </p:cNvSpPr>
@@ -4732,7 +4732,7 @@
       </p:sp>
       <p:sp>
         <p:nvSpPr>
-          <p:cNvPr id="239" name="PlaceHolder 2"/>
+          <p:cNvPr id="241" name="PlaceHolder 2"/>
           <p:cNvSpPr>
             <a:spLocks noGrp="1"/>
           </p:cNvSpPr>
@@ -4801,7 +4801,7 @@
         <p:txBody>
           <a:bodyPr/>
           <a:p>
-            <a:fld id="{FC760409-8A77-4162-A650-73FB87813009}" type="slidenum">
+            <a:fld id="{6870E427-CAC0-435A-AC9D-02785C4A5C75}" type="slidenum">
               <a:t>&lt;#&gt;</a:t>
             </a:fld>
           </a:p>
@@ -4852,7 +4852,7 @@
       </p:grpSpPr>
       <p:sp>
         <p:nvSpPr>
-          <p:cNvPr id="240" name="PlaceHolder 1"/>
+          <p:cNvPr id="242" name="PlaceHolder 1"/>
           <p:cNvSpPr>
             <a:spLocks noGrp="1"/>
           </p:cNvSpPr>
@@ -4889,7 +4889,7 @@
       </p:sp>
       <p:sp>
         <p:nvSpPr>
-          <p:cNvPr id="241" name="PlaceHolder 2"/>
+          <p:cNvPr id="243" name="PlaceHolder 2"/>
           <p:cNvSpPr>
             <a:spLocks noGrp="1"/>
           </p:cNvSpPr>
@@ -4955,7 +4955,7 @@
         <p:txBody>
           <a:bodyPr/>
           <a:p>
-            <a:fld id="{A65B8722-204A-473B-A2EB-A2FBA3618A9D}" type="slidenum">
+            <a:fld id="{E134872A-15D7-40DF-A4AA-2CB7A0C2E349}" type="slidenum">
               <a:t>&lt;#&gt;</a:t>
             </a:fld>
           </a:p>
@@ -5133,7 +5133,7 @@
       </p:grpSpPr>
       <p:sp>
         <p:nvSpPr>
-          <p:cNvPr id="242" name="PlaceHolder 1"/>
+          <p:cNvPr id="244" name="PlaceHolder 1"/>
           <p:cNvSpPr>
             <a:spLocks noGrp="1"/>
           </p:cNvSpPr>
@@ -5170,7 +5170,7 @@
       </p:sp>
       <p:sp>
         <p:nvSpPr>
-          <p:cNvPr id="243" name="PlaceHolder 2"/>
+          <p:cNvPr id="245" name="PlaceHolder 2"/>
           <p:cNvSpPr>
             <a:spLocks noGrp="1"/>
           </p:cNvSpPr>
@@ -5204,7 +5204,7 @@
       </p:sp>
       <p:sp>
         <p:nvSpPr>
-          <p:cNvPr id="244" name="PlaceHolder 3"/>
+          <p:cNvPr id="246" name="PlaceHolder 3"/>
           <p:cNvSpPr>
             <a:spLocks noGrp="1"/>
           </p:cNvSpPr>
@@ -5270,7 +5270,7 @@
         <p:txBody>
           <a:bodyPr/>
           <a:p>
-            <a:fld id="{86E511C1-EB16-4B15-82CC-70C0C0589492}" type="slidenum">
+            <a:fld id="{F02058C5-5B3A-4AFB-8F8E-21EDF7FD1D33}" type="slidenum">
               <a:t>&lt;#&gt;</a:t>
             </a:fld>
           </a:p>
@@ -5321,7 +5321,7 @@
       </p:grpSpPr>
       <p:sp>
         <p:nvSpPr>
-          <p:cNvPr id="245" name="PlaceHolder 1"/>
+          <p:cNvPr id="247" name="PlaceHolder 1"/>
           <p:cNvSpPr>
             <a:spLocks noGrp="1"/>
           </p:cNvSpPr>
@@ -5390,7 +5390,7 @@
         <p:txBody>
           <a:bodyPr/>
           <a:p>
-            <a:fld id="{887A996E-585F-421D-AD93-64FD1FEFF57D}" type="slidenum">
+            <a:fld id="{1F5BF1E0-55C7-462B-8E22-76902C5978F5}" type="slidenum">
               <a:t>&lt;#&gt;</a:t>
             </a:fld>
           </a:p>
@@ -5441,7 +5441,7 @@
       </p:grpSpPr>
       <p:sp>
         <p:nvSpPr>
-          <p:cNvPr id="246" name="PlaceHolder 1"/>
+          <p:cNvPr id="248" name="PlaceHolder 1"/>
           <p:cNvSpPr>
             <a:spLocks noGrp="1"/>
           </p:cNvSpPr>
@@ -5510,7 +5510,7 @@
         <p:txBody>
           <a:bodyPr/>
           <a:p>
-            <a:fld id="{C3588228-E7F5-47A7-8117-7A6EA195724B}" type="slidenum">
+            <a:fld id="{C5A3F48C-D94C-4DAB-970B-107E09652193}" type="slidenum">
               <a:t>&lt;#&gt;</a:t>
             </a:fld>
           </a:p>
@@ -5561,7 +5561,7 @@
       </p:grpSpPr>
       <p:sp>
         <p:nvSpPr>
-          <p:cNvPr id="247" name="PlaceHolder 1"/>
+          <p:cNvPr id="249" name="PlaceHolder 1"/>
           <p:cNvSpPr>
             <a:spLocks noGrp="1"/>
           </p:cNvSpPr>
@@ -5598,7 +5598,7 @@
       </p:sp>
       <p:sp>
         <p:nvSpPr>
-          <p:cNvPr id="248" name="PlaceHolder 2"/>
+          <p:cNvPr id="250" name="PlaceHolder 2"/>
           <p:cNvSpPr>
             <a:spLocks noGrp="1"/>
           </p:cNvSpPr>
@@ -5632,7 +5632,7 @@
       </p:sp>
       <p:sp>
         <p:nvSpPr>
-          <p:cNvPr id="249" name="PlaceHolder 3"/>
+          <p:cNvPr id="251" name="PlaceHolder 3"/>
           <p:cNvSpPr>
             <a:spLocks noGrp="1"/>
           </p:cNvSpPr>
@@ -5666,7 +5666,7 @@
       </p:sp>
       <p:sp>
         <p:nvSpPr>
-          <p:cNvPr id="250" name="PlaceHolder 4"/>
+          <p:cNvPr id="252" name="PlaceHolder 4"/>
           <p:cNvSpPr>
             <a:spLocks noGrp="1"/>
           </p:cNvSpPr>
@@ -5732,7 +5732,7 @@
         <p:txBody>
           <a:bodyPr/>
           <a:p>
-            <a:fld id="{D4049957-64F8-43D5-86FA-E9C372001BA2}" type="slidenum">
+            <a:fld id="{23535D12-CC05-4D6A-9897-A5DDA0803C85}" type="slidenum">
               <a:t>&lt;#&gt;</a:t>
             </a:fld>
           </a:p>
@@ -5783,7 +5783,7 @@
       </p:grpSpPr>
       <p:sp>
         <p:nvSpPr>
-          <p:cNvPr id="251" name="PlaceHolder 1"/>
+          <p:cNvPr id="253" name="PlaceHolder 1"/>
           <p:cNvSpPr>
             <a:spLocks noGrp="1"/>
           </p:cNvSpPr>
@@ -5820,7 +5820,7 @@
       </p:sp>
       <p:sp>
         <p:nvSpPr>
-          <p:cNvPr id="252" name="PlaceHolder 2"/>
+          <p:cNvPr id="254" name="PlaceHolder 2"/>
           <p:cNvSpPr>
             <a:spLocks noGrp="1"/>
           </p:cNvSpPr>
@@ -5854,7 +5854,7 @@
       </p:sp>
       <p:sp>
         <p:nvSpPr>
-          <p:cNvPr id="253" name="PlaceHolder 3"/>
+          <p:cNvPr id="255" name="PlaceHolder 3"/>
           <p:cNvSpPr>
             <a:spLocks noGrp="1"/>
           </p:cNvSpPr>
@@ -5888,7 +5888,7 @@
       </p:sp>
       <p:sp>
         <p:nvSpPr>
-          <p:cNvPr id="254" name="PlaceHolder 4"/>
+          <p:cNvPr id="256" name="PlaceHolder 4"/>
           <p:cNvSpPr>
             <a:spLocks noGrp="1"/>
           </p:cNvSpPr>
@@ -5954,7 +5954,7 @@
         <p:txBody>
           <a:bodyPr/>
           <a:p>
-            <a:fld id="{E8D309D1-BE0C-41F6-88B3-3CADFFA056B2}" type="slidenum">
+            <a:fld id="{80DD1916-2295-4CC3-A283-A378C4A35C08}" type="slidenum">
               <a:t>&lt;#&gt;</a:t>
             </a:fld>
           </a:p>
@@ -6005,7 +6005,7 @@
       </p:grpSpPr>
       <p:sp>
         <p:nvSpPr>
-          <p:cNvPr id="255" name="PlaceHolder 1"/>
+          <p:cNvPr id="257" name="PlaceHolder 1"/>
           <p:cNvSpPr>
             <a:spLocks noGrp="1"/>
           </p:cNvSpPr>
@@ -6042,7 +6042,7 @@
       </p:sp>
       <p:sp>
         <p:nvSpPr>
-          <p:cNvPr id="256" name="PlaceHolder 2"/>
+          <p:cNvPr id="258" name="PlaceHolder 2"/>
           <p:cNvSpPr>
             <a:spLocks noGrp="1"/>
           </p:cNvSpPr>
@@ -6076,7 +6076,7 @@
       </p:sp>
       <p:sp>
         <p:nvSpPr>
-          <p:cNvPr id="257" name="PlaceHolder 3"/>
+          <p:cNvPr id="259" name="PlaceHolder 3"/>
           <p:cNvSpPr>
             <a:spLocks noGrp="1"/>
           </p:cNvSpPr>
@@ -6110,7 +6110,7 @@
       </p:sp>
       <p:sp>
         <p:nvSpPr>
-          <p:cNvPr id="258" name="PlaceHolder 4"/>
+          <p:cNvPr id="260" name="PlaceHolder 4"/>
           <p:cNvSpPr>
             <a:spLocks noGrp="1"/>
           </p:cNvSpPr>
@@ -6176,7 +6176,7 @@
         <p:txBody>
           <a:bodyPr/>
           <a:p>
-            <a:fld id="{79550C93-C12D-4404-8129-187FE690D192}" type="slidenum">
+            <a:fld id="{9C6A2C52-BE59-4F22-8887-DCDD9ECC845A}" type="slidenum">
               <a:t>&lt;#&gt;</a:t>
             </a:fld>
           </a:p>
@@ -6227,7 +6227,7 @@
       </p:grpSpPr>
       <p:sp>
         <p:nvSpPr>
-          <p:cNvPr id="259" name="PlaceHolder 1"/>
+          <p:cNvPr id="261" name="PlaceHolder 1"/>
           <p:cNvSpPr>
             <a:spLocks noGrp="1"/>
           </p:cNvSpPr>
@@ -6264,7 +6264,7 @@
       </p:sp>
       <p:sp>
         <p:nvSpPr>
-          <p:cNvPr id="260" name="PlaceHolder 2"/>
+          <p:cNvPr id="262" name="PlaceHolder 2"/>
           <p:cNvSpPr>
             <a:spLocks noGrp="1"/>
           </p:cNvSpPr>
@@ -6298,7 +6298,7 @@
       </p:sp>
       <p:sp>
         <p:nvSpPr>
-          <p:cNvPr id="261" name="PlaceHolder 3"/>
+          <p:cNvPr id="263" name="PlaceHolder 3"/>
           <p:cNvSpPr>
             <a:spLocks noGrp="1"/>
           </p:cNvSpPr>
@@ -6364,7 +6364,7 @@
         <p:txBody>
           <a:bodyPr/>
           <a:p>
-            <a:fld id="{19BF8363-5146-463A-9BF5-AA6243F9D19F}" type="slidenum">
+            <a:fld id="{2998410C-7023-41FF-9BF3-EAC0683E20C0}" type="slidenum">
               <a:t>&lt;#&gt;</a:t>
             </a:fld>
           </a:p>
@@ -6415,7 +6415,7 @@
       </p:grpSpPr>
       <p:sp>
         <p:nvSpPr>
-          <p:cNvPr id="262" name="PlaceHolder 1"/>
+          <p:cNvPr id="264" name="PlaceHolder 1"/>
           <p:cNvSpPr>
             <a:spLocks noGrp="1"/>
           </p:cNvSpPr>
@@ -6452,7 +6452,7 @@
       </p:sp>
       <p:sp>
         <p:nvSpPr>
-          <p:cNvPr id="263" name="PlaceHolder 2"/>
+          <p:cNvPr id="265" name="PlaceHolder 2"/>
           <p:cNvSpPr>
             <a:spLocks noGrp="1"/>
           </p:cNvSpPr>
@@ -6486,7 +6486,7 @@
       </p:sp>
       <p:sp>
         <p:nvSpPr>
-          <p:cNvPr id="264" name="PlaceHolder 3"/>
+          <p:cNvPr id="266" name="PlaceHolder 3"/>
           <p:cNvSpPr>
             <a:spLocks noGrp="1"/>
           </p:cNvSpPr>
@@ -6520,7 +6520,7 @@
       </p:sp>
       <p:sp>
         <p:nvSpPr>
-          <p:cNvPr id="265" name="PlaceHolder 4"/>
+          <p:cNvPr id="267" name="PlaceHolder 4"/>
           <p:cNvSpPr>
             <a:spLocks noGrp="1"/>
           </p:cNvSpPr>
@@ -6554,7 +6554,7 @@
       </p:sp>
       <p:sp>
         <p:nvSpPr>
-          <p:cNvPr id="266" name="PlaceHolder 5"/>
+          <p:cNvPr id="268" name="PlaceHolder 5"/>
           <p:cNvSpPr>
             <a:spLocks noGrp="1"/>
           </p:cNvSpPr>
@@ -6620,7 +6620,7 @@
         <p:txBody>
           <a:bodyPr/>
           <a:p>
-            <a:fld id="{27C2D9AD-E30F-44DA-93FE-2D0B4B3498E5}" type="slidenum">
+            <a:fld id="{F8157DA5-C179-4817-A60F-A9101D1F62CD}" type="slidenum">
               <a:t>&lt;#&gt;</a:t>
             </a:fld>
           </a:p>
@@ -6671,7 +6671,7 @@
       </p:grpSpPr>
       <p:sp>
         <p:nvSpPr>
-          <p:cNvPr id="267" name="PlaceHolder 1"/>
+          <p:cNvPr id="269" name="PlaceHolder 1"/>
           <p:cNvSpPr>
             <a:spLocks noGrp="1"/>
           </p:cNvSpPr>
@@ -6708,7 +6708,7 @@
       </p:sp>
       <p:sp>
         <p:nvSpPr>
-          <p:cNvPr id="268" name="PlaceHolder 2"/>
+          <p:cNvPr id="270" name="PlaceHolder 2"/>
           <p:cNvSpPr>
             <a:spLocks noGrp="1"/>
           </p:cNvSpPr>
@@ -6742,7 +6742,7 @@
       </p:sp>
       <p:sp>
         <p:nvSpPr>
-          <p:cNvPr id="269" name="PlaceHolder 3"/>
+          <p:cNvPr id="271" name="PlaceHolder 3"/>
           <p:cNvSpPr>
             <a:spLocks noGrp="1"/>
           </p:cNvSpPr>
@@ -6776,7 +6776,7 @@
       </p:sp>
       <p:sp>
         <p:nvSpPr>
-          <p:cNvPr id="270" name="PlaceHolder 4"/>
+          <p:cNvPr id="272" name="PlaceHolder 4"/>
           <p:cNvSpPr>
             <a:spLocks noGrp="1"/>
           </p:cNvSpPr>
@@ -6810,7 +6810,7 @@
       </p:sp>
       <p:sp>
         <p:nvSpPr>
-          <p:cNvPr id="271" name="PlaceHolder 5"/>
+          <p:cNvPr id="273" name="PlaceHolder 5"/>
           <p:cNvSpPr>
             <a:spLocks noGrp="1"/>
           </p:cNvSpPr>
@@ -6844,7 +6844,7 @@
       </p:sp>
       <p:sp>
         <p:nvSpPr>
-          <p:cNvPr id="272" name="PlaceHolder 6"/>
+          <p:cNvPr id="274" name="PlaceHolder 6"/>
           <p:cNvSpPr>
             <a:spLocks noGrp="1"/>
           </p:cNvSpPr>
@@ -6878,7 +6878,7 @@
       </p:sp>
       <p:sp>
         <p:nvSpPr>
-          <p:cNvPr id="273" name="PlaceHolder 7"/>
+          <p:cNvPr id="275" name="PlaceHolder 7"/>
           <p:cNvSpPr>
             <a:spLocks noGrp="1"/>
           </p:cNvSpPr>
@@ -6944,7 +6944,7 @@
         <p:txBody>
           <a:bodyPr/>
           <a:p>
-            <a:fld id="{845041E1-D9D7-4E95-A946-DFE1740D96FA}" type="slidenum">
+            <a:fld id="{0B7E4650-00ED-4CC4-B028-DC62A60F93D2}" type="slidenum">
               <a:t>&lt;#&gt;</a:t>
             </a:fld>
           </a:p>
@@ -7027,7 +7027,7 @@
         <p:txBody>
           <a:bodyPr/>
           <a:p>
-            <a:fld id="{5DAE906E-8813-4ED7-9438-64C8B0A8EAB4}" type="slidenum">
+            <a:fld id="{A4ACA66A-3438-411F-9787-1089ED23CDBF}" type="slidenum">
               <a:t>&lt;#&gt;</a:t>
             </a:fld>
           </a:p>
@@ -7137,7 +7137,7 @@
       </p:grpSpPr>
       <p:sp>
         <p:nvSpPr>
-          <p:cNvPr id="283" name="PlaceHolder 1"/>
+          <p:cNvPr id="285" name="PlaceHolder 1"/>
           <p:cNvSpPr>
             <a:spLocks noGrp="1"/>
           </p:cNvSpPr>
@@ -7174,7 +7174,7 @@
       </p:sp>
       <p:sp>
         <p:nvSpPr>
-          <p:cNvPr id="284" name="PlaceHolder 2"/>
+          <p:cNvPr id="286" name="PlaceHolder 2"/>
           <p:cNvSpPr>
             <a:spLocks noGrp="1"/>
           </p:cNvSpPr>
@@ -7243,7 +7243,7 @@
         <p:txBody>
           <a:bodyPr/>
           <a:p>
-            <a:fld id="{843644A1-C34B-4635-9BDE-4BF91576D785}" type="slidenum">
+            <a:fld id="{836254EB-B9C4-4B49-A353-FE86D2E7B231}" type="slidenum">
               <a:t>&lt;#&gt;</a:t>
             </a:fld>
           </a:p>
@@ -7294,7 +7294,7 @@
       </p:grpSpPr>
       <p:sp>
         <p:nvSpPr>
-          <p:cNvPr id="285" name="PlaceHolder 1"/>
+          <p:cNvPr id="287" name="PlaceHolder 1"/>
           <p:cNvSpPr>
             <a:spLocks noGrp="1"/>
           </p:cNvSpPr>
@@ -7331,7 +7331,7 @@
       </p:sp>
       <p:sp>
         <p:nvSpPr>
-          <p:cNvPr id="286" name="PlaceHolder 2"/>
+          <p:cNvPr id="288" name="PlaceHolder 2"/>
           <p:cNvSpPr>
             <a:spLocks noGrp="1"/>
           </p:cNvSpPr>
@@ -7397,7 +7397,7 @@
         <p:txBody>
           <a:bodyPr/>
           <a:p>
-            <a:fld id="{65AA5613-27CB-4222-91B9-13CA4ED878BD}" type="slidenum">
+            <a:fld id="{0A51CCD6-F85C-404A-B41C-717E0D74E329}" type="slidenum">
               <a:t>&lt;#&gt;</a:t>
             </a:fld>
           </a:p>
@@ -7448,7 +7448,7 @@
       </p:grpSpPr>
       <p:sp>
         <p:nvSpPr>
-          <p:cNvPr id="287" name="PlaceHolder 1"/>
+          <p:cNvPr id="289" name="PlaceHolder 1"/>
           <p:cNvSpPr>
             <a:spLocks noGrp="1"/>
           </p:cNvSpPr>
@@ -7485,7 +7485,7 @@
       </p:sp>
       <p:sp>
         <p:nvSpPr>
-          <p:cNvPr id="288" name="PlaceHolder 2"/>
+          <p:cNvPr id="290" name="PlaceHolder 2"/>
           <p:cNvSpPr>
             <a:spLocks noGrp="1"/>
           </p:cNvSpPr>
@@ -7519,7 +7519,7 @@
       </p:sp>
       <p:sp>
         <p:nvSpPr>
-          <p:cNvPr id="289" name="PlaceHolder 3"/>
+          <p:cNvPr id="291" name="PlaceHolder 3"/>
           <p:cNvSpPr>
             <a:spLocks noGrp="1"/>
           </p:cNvSpPr>
@@ -7585,7 +7585,7 @@
         <p:txBody>
           <a:bodyPr/>
           <a:p>
-            <a:fld id="{548FF6E6-4CB2-40F6-B5F4-2BF4082E4EBB}" type="slidenum">
+            <a:fld id="{5E2D6BAB-E031-45DE-9107-D8DD672FC379}" type="slidenum">
               <a:t>&lt;#&gt;</a:t>
             </a:fld>
           </a:p>
@@ -7636,7 +7636,7 @@
       </p:grpSpPr>
       <p:sp>
         <p:nvSpPr>
-          <p:cNvPr id="290" name="PlaceHolder 1"/>
+          <p:cNvPr id="292" name="PlaceHolder 1"/>
           <p:cNvSpPr>
             <a:spLocks noGrp="1"/>
           </p:cNvSpPr>
@@ -7705,7 +7705,7 @@
         <p:txBody>
           <a:bodyPr/>
           <a:p>
-            <a:fld id="{5987B0B9-E674-43C0-AF8C-D21A54E47CAC}" type="slidenum">
+            <a:fld id="{61ACF3A1-EBB4-4AF0-9571-EA5664F65E63}" type="slidenum">
               <a:t>&lt;#&gt;</a:t>
             </a:fld>
           </a:p>
@@ -7756,7 +7756,7 @@
       </p:grpSpPr>
       <p:sp>
         <p:nvSpPr>
-          <p:cNvPr id="291" name="PlaceHolder 1"/>
+          <p:cNvPr id="293" name="PlaceHolder 1"/>
           <p:cNvSpPr>
             <a:spLocks noGrp="1"/>
           </p:cNvSpPr>
@@ -7825,7 +7825,7 @@
         <p:txBody>
           <a:bodyPr/>
           <a:p>
-            <a:fld id="{802BFF42-AA2B-4CDB-9B18-8D0F74F934D3}" type="slidenum">
+            <a:fld id="{BA90C473-B25C-463F-8D41-A9DE0A9771F7}" type="slidenum">
               <a:t>&lt;#&gt;</a:t>
             </a:fld>
           </a:p>
@@ -7876,7 +7876,7 @@
       </p:grpSpPr>
       <p:sp>
         <p:nvSpPr>
-          <p:cNvPr id="292" name="PlaceHolder 1"/>
+          <p:cNvPr id="294" name="PlaceHolder 1"/>
           <p:cNvSpPr>
             <a:spLocks noGrp="1"/>
           </p:cNvSpPr>
@@ -7913,7 +7913,7 @@
       </p:sp>
       <p:sp>
         <p:nvSpPr>
-          <p:cNvPr id="293" name="PlaceHolder 2"/>
+          <p:cNvPr id="295" name="PlaceHolder 2"/>
           <p:cNvSpPr>
             <a:spLocks noGrp="1"/>
           </p:cNvSpPr>
@@ -7947,7 +7947,7 @@
       </p:sp>
       <p:sp>
         <p:nvSpPr>
-          <p:cNvPr id="294" name="PlaceHolder 3"/>
+          <p:cNvPr id="296" name="PlaceHolder 3"/>
           <p:cNvSpPr>
             <a:spLocks noGrp="1"/>
           </p:cNvSpPr>
@@ -7981,7 +7981,7 @@
       </p:sp>
       <p:sp>
         <p:nvSpPr>
-          <p:cNvPr id="295" name="PlaceHolder 4"/>
+          <p:cNvPr id="297" name="PlaceHolder 4"/>
           <p:cNvSpPr>
             <a:spLocks noGrp="1"/>
           </p:cNvSpPr>
@@ -8047,7 +8047,7 @@
         <p:txBody>
           <a:bodyPr/>
           <a:p>
-            <a:fld id="{0D072DEB-C551-44E7-B9D1-52DB65B6D283}" type="slidenum">
+            <a:fld id="{CE35DB76-EF14-4AF5-A50D-9E2F00ECC3F9}" type="slidenum">
               <a:t>&lt;#&gt;</a:t>
             </a:fld>
           </a:p>
@@ -8098,7 +8098,7 @@
       </p:grpSpPr>
       <p:sp>
         <p:nvSpPr>
-          <p:cNvPr id="296" name="PlaceHolder 1"/>
+          <p:cNvPr id="298" name="PlaceHolder 1"/>
           <p:cNvSpPr>
             <a:spLocks noGrp="1"/>
           </p:cNvSpPr>
@@ -8135,7 +8135,7 @@
       </p:sp>
       <p:sp>
         <p:nvSpPr>
-          <p:cNvPr id="297" name="PlaceHolder 2"/>
+          <p:cNvPr id="299" name="PlaceHolder 2"/>
           <p:cNvSpPr>
             <a:spLocks noGrp="1"/>
           </p:cNvSpPr>
@@ -8169,7 +8169,7 @@
       </p:sp>
       <p:sp>
         <p:nvSpPr>
-          <p:cNvPr id="298" name="PlaceHolder 3"/>
+          <p:cNvPr id="300" name="PlaceHolder 3"/>
           <p:cNvSpPr>
             <a:spLocks noGrp="1"/>
           </p:cNvSpPr>
@@ -8203,7 +8203,7 @@
       </p:sp>
       <p:sp>
         <p:nvSpPr>
-          <p:cNvPr id="299" name="PlaceHolder 4"/>
+          <p:cNvPr id="301" name="PlaceHolder 4"/>
           <p:cNvSpPr>
             <a:spLocks noGrp="1"/>
           </p:cNvSpPr>
@@ -8269,7 +8269,7 @@
         <p:txBody>
           <a:bodyPr/>
           <a:p>
-            <a:fld id="{E44E9931-3078-46EC-9C7E-4C6516F9BA11}" type="slidenum">
+            <a:fld id="{D62753C7-16D5-4976-908B-735FF5B78C1A}" type="slidenum">
               <a:t>&lt;#&gt;</a:t>
             </a:fld>
           </a:p>
@@ -8320,7 +8320,7 @@
       </p:grpSpPr>
       <p:sp>
         <p:nvSpPr>
-          <p:cNvPr id="300" name="PlaceHolder 1"/>
+          <p:cNvPr id="302" name="PlaceHolder 1"/>
           <p:cNvSpPr>
             <a:spLocks noGrp="1"/>
           </p:cNvSpPr>
@@ -8357,7 +8357,7 @@
       </p:sp>
       <p:sp>
         <p:nvSpPr>
-          <p:cNvPr id="301" name="PlaceHolder 2"/>
+          <p:cNvPr id="303" name="PlaceHolder 2"/>
           <p:cNvSpPr>
             <a:spLocks noGrp="1"/>
           </p:cNvSpPr>
@@ -8391,7 +8391,7 @@
       </p:sp>
       <p:sp>
         <p:nvSpPr>
-          <p:cNvPr id="302" name="PlaceHolder 3"/>
+          <p:cNvPr id="304" name="PlaceHolder 3"/>
           <p:cNvSpPr>
             <a:spLocks noGrp="1"/>
           </p:cNvSpPr>
@@ -8425,7 +8425,7 @@
       </p:sp>
       <p:sp>
         <p:nvSpPr>
-          <p:cNvPr id="303" name="PlaceHolder 4"/>
+          <p:cNvPr id="305" name="PlaceHolder 4"/>
           <p:cNvSpPr>
             <a:spLocks noGrp="1"/>
           </p:cNvSpPr>
@@ -8491,7 +8491,7 @@
         <p:txBody>
           <a:bodyPr/>
           <a:p>
-            <a:fld id="{12B5B325-0D5B-4D20-8F64-A016300F462F}" type="slidenum">
+            <a:fld id="{9A70EFD7-3654-47F0-AAD3-EE49171480C0}" type="slidenum">
               <a:t>&lt;#&gt;</a:t>
             </a:fld>
           </a:p>
@@ -8542,7 +8542,7 @@
       </p:grpSpPr>
       <p:sp>
         <p:nvSpPr>
-          <p:cNvPr id="304" name="PlaceHolder 1"/>
+          <p:cNvPr id="306" name="PlaceHolder 1"/>
           <p:cNvSpPr>
             <a:spLocks noGrp="1"/>
           </p:cNvSpPr>
@@ -8579,7 +8579,7 @@
       </p:sp>
       <p:sp>
         <p:nvSpPr>
-          <p:cNvPr id="305" name="PlaceHolder 2"/>
+          <p:cNvPr id="307" name="PlaceHolder 2"/>
           <p:cNvSpPr>
             <a:spLocks noGrp="1"/>
           </p:cNvSpPr>
@@ -8613,7 +8613,7 @@
       </p:sp>
       <p:sp>
         <p:nvSpPr>
-          <p:cNvPr id="306" name="PlaceHolder 3"/>
+          <p:cNvPr id="308" name="PlaceHolder 3"/>
           <p:cNvSpPr>
             <a:spLocks noGrp="1"/>
           </p:cNvSpPr>
@@ -8679,7 +8679,7 @@
         <p:txBody>
           <a:bodyPr/>
           <a:p>
-            <a:fld id="{CA00D85A-398D-4B05-8BA2-777D91F70ED0}" type="slidenum">
+            <a:fld id="{BC3BFD3F-9248-4AC8-9793-2B57E9707B33}" type="slidenum">
               <a:t>&lt;#&gt;</a:t>
             </a:fld>
           </a:p>
@@ -8730,7 +8730,7 @@
       </p:grpSpPr>
       <p:sp>
         <p:nvSpPr>
-          <p:cNvPr id="307" name="PlaceHolder 1"/>
+          <p:cNvPr id="309" name="PlaceHolder 1"/>
           <p:cNvSpPr>
             <a:spLocks noGrp="1"/>
           </p:cNvSpPr>
@@ -8767,7 +8767,7 @@
       </p:sp>
       <p:sp>
         <p:nvSpPr>
-          <p:cNvPr id="308" name="PlaceHolder 2"/>
+          <p:cNvPr id="310" name="PlaceHolder 2"/>
           <p:cNvSpPr>
             <a:spLocks noGrp="1"/>
           </p:cNvSpPr>
@@ -8801,7 +8801,7 @@
       </p:sp>
       <p:sp>
         <p:nvSpPr>
-          <p:cNvPr id="309" name="PlaceHolder 3"/>
+          <p:cNvPr id="311" name="PlaceHolder 3"/>
           <p:cNvSpPr>
             <a:spLocks noGrp="1"/>
           </p:cNvSpPr>
@@ -8835,7 +8835,7 @@
       </p:sp>
       <p:sp>
         <p:nvSpPr>
-          <p:cNvPr id="310" name="PlaceHolder 4"/>
+          <p:cNvPr id="312" name="PlaceHolder 4"/>
           <p:cNvSpPr>
             <a:spLocks noGrp="1"/>
           </p:cNvSpPr>
@@ -8869,7 +8869,7 @@
       </p:sp>
       <p:sp>
         <p:nvSpPr>
-          <p:cNvPr id="311" name="PlaceHolder 5"/>
+          <p:cNvPr id="313" name="PlaceHolder 5"/>
           <p:cNvSpPr>
             <a:spLocks noGrp="1"/>
           </p:cNvSpPr>
@@ -8935,7 +8935,7 @@
         <p:txBody>
           <a:bodyPr/>
           <a:p>
-            <a:fld id="{1472B4E9-7B43-46B6-A175-B3A3052808EA}" type="slidenum">
+            <a:fld id="{BCCA18C8-286E-4965-AA30-02EB78274CFA}" type="slidenum">
               <a:t>&lt;#&gt;</a:t>
             </a:fld>
           </a:p>
@@ -9045,7 +9045,7 @@
       </p:grpSpPr>
       <p:sp>
         <p:nvSpPr>
-          <p:cNvPr id="312" name="PlaceHolder 1"/>
+          <p:cNvPr id="314" name="PlaceHolder 1"/>
           <p:cNvSpPr>
             <a:spLocks noGrp="1"/>
           </p:cNvSpPr>
@@ -9082,7 +9082,7 @@
       </p:sp>
       <p:sp>
         <p:nvSpPr>
-          <p:cNvPr id="313" name="PlaceHolder 2"/>
+          <p:cNvPr id="315" name="PlaceHolder 2"/>
           <p:cNvSpPr>
             <a:spLocks noGrp="1"/>
           </p:cNvSpPr>
@@ -9116,7 +9116,7 @@
       </p:sp>
       <p:sp>
         <p:nvSpPr>
-          <p:cNvPr id="314" name="PlaceHolder 3"/>
+          <p:cNvPr id="316" name="PlaceHolder 3"/>
           <p:cNvSpPr>
             <a:spLocks noGrp="1"/>
           </p:cNvSpPr>
@@ -9150,7 +9150,7 @@
       </p:sp>
       <p:sp>
         <p:nvSpPr>
-          <p:cNvPr id="315" name="PlaceHolder 4"/>
+          <p:cNvPr id="317" name="PlaceHolder 4"/>
           <p:cNvSpPr>
             <a:spLocks noGrp="1"/>
           </p:cNvSpPr>
@@ -9184,7 +9184,7 @@
       </p:sp>
       <p:sp>
         <p:nvSpPr>
-          <p:cNvPr id="316" name="PlaceHolder 5"/>
+          <p:cNvPr id="318" name="PlaceHolder 5"/>
           <p:cNvSpPr>
             <a:spLocks noGrp="1"/>
           </p:cNvSpPr>
@@ -9218,7 +9218,7 @@
       </p:sp>
       <p:sp>
         <p:nvSpPr>
-          <p:cNvPr id="317" name="PlaceHolder 6"/>
+          <p:cNvPr id="319" name="PlaceHolder 6"/>
           <p:cNvSpPr>
             <a:spLocks noGrp="1"/>
           </p:cNvSpPr>
@@ -9252,7 +9252,7 @@
       </p:sp>
       <p:sp>
         <p:nvSpPr>
-          <p:cNvPr id="318" name="PlaceHolder 7"/>
+          <p:cNvPr id="320" name="PlaceHolder 7"/>
           <p:cNvSpPr>
             <a:spLocks noGrp="1"/>
           </p:cNvSpPr>
@@ -9318,7 +9318,7 @@
         <p:txBody>
           <a:bodyPr/>
           <a:p>
-            <a:fld id="{5D6A5FAA-B4B0-4DAC-B156-B6465DC43101}" type="slidenum">
+            <a:fld id="{B020B18C-4A3F-4226-BD19-FAEA22D68C23}" type="slidenum">
               <a:t>&lt;#&gt;</a:t>
             </a:fld>
           </a:p>
@@ -14598,7 +14598,9 @@
           <p:nvPr/>
         </p:nvPicPr>
         <p:blipFill>
-          <a:blip r:embed="rId2"/>
+          <a:blip r:embed="rId2">
+            <a:alphaModFix amt="70000"/>
+          </a:blip>
           <a:stretch/>
         </p:blipFill>
         <p:spPr>
@@ -14621,7 +14623,9 @@
           <p:nvPr/>
         </p:nvPicPr>
         <p:blipFill>
-          <a:blip r:embed="rId3"/>
+          <a:blip r:embed="rId3">
+            <a:alphaModFix amt="70000"/>
+          </a:blip>
           <a:stretch/>
         </p:blipFill>
         <p:spPr>
@@ -14644,7 +14648,9 @@
           <p:nvPr/>
         </p:nvPicPr>
         <p:blipFill>
-          <a:blip r:embed="rId4"/>
+          <a:blip r:embed="rId4">
+            <a:alphaModFix amt="70000"/>
+          </a:blip>
           <a:stretch/>
         </p:blipFill>
         <p:spPr>
@@ -16840,7 +16846,7 @@
             <a:pPr algn="ctr">
               <a:buNone/>
             </a:pPr>
-            <a:fld id="{86A86AAF-1A73-45DA-90DB-99EED75CE7CE}" type="slidenum">
+            <a:fld id="{F83DBCB5-6F9B-465A-AA64-0F2AD96A9D11}" type="slidenum">
               <a:rPr b="0" lang="es-AR" sz="1400" spc="-1" strike="noStrike">
                 <a:latin typeface="Arial"/>
               </a:rPr>
@@ -16859,7 +16865,9 @@
           <p:nvPr/>
         </p:nvPicPr>
         <p:blipFill>
-          <a:blip r:embed="rId2"/>
+          <a:blip r:embed="rId2">
+            <a:alphaModFix amt="70000"/>
+          </a:blip>
           <a:stretch/>
         </p:blipFill>
         <p:spPr>
@@ -16882,7 +16890,9 @@
           <p:nvPr/>
         </p:nvPicPr>
         <p:blipFill>
-          <a:blip r:embed="rId3"/>
+          <a:blip r:embed="rId3">
+            <a:alphaModFix amt="70000"/>
+          </a:blip>
           <a:stretch/>
         </p:blipFill>
         <p:spPr>
@@ -17298,7 +17308,7 @@
             <a:pPr algn="r">
               <a:buNone/>
             </a:pPr>
-            <a:fld id="{94DB5405-9A16-4963-B1F4-447B59C2FA92}" type="slidenum">
+            <a:fld id="{28591398-0FEC-48A9-AAE7-AB03ADE88807}" type="slidenum">
               <a:rPr b="0" lang="es-AR" sz="1400" spc="-1" strike="noStrike">
                 <a:latin typeface="Arial"/>
               </a:rPr>
@@ -17310,22 +17320,72 @@
           </a:p>
         </p:txBody>
       </p:sp>
+      <p:pic>
+        <p:nvPicPr>
+          <p:cNvPr id="196" name="" descr=""/>
+          <p:cNvPicPr/>
+          <p:nvPr/>
+        </p:nvPicPr>
+        <p:blipFill>
+          <a:blip r:embed="rId2">
+            <a:alphaModFix amt="70000"/>
+          </a:blip>
+          <a:stretch/>
+        </p:blipFill>
+        <p:spPr>
+          <a:xfrm>
+            <a:off x="4446000" y="4320000"/>
+            <a:ext cx="1134000" cy="1134000"/>
+          </a:xfrm>
+          <a:prstGeom prst="rect">
+            <a:avLst/>
+          </a:prstGeom>
+          <a:ln w="18000">
+            <a:noFill/>
+          </a:ln>
+        </p:spPr>
+      </p:pic>
+      <p:pic>
+        <p:nvPicPr>
+          <p:cNvPr id="197" name="" descr=""/>
+          <p:cNvPicPr/>
+          <p:nvPr/>
+        </p:nvPicPr>
+        <p:blipFill>
+          <a:blip r:embed="rId3">
+            <a:alphaModFix amt="70000"/>
+          </a:blip>
+          <a:stretch/>
+        </p:blipFill>
+        <p:spPr>
+          <a:xfrm>
+            <a:off x="-39600" y="0"/>
+            <a:ext cx="10755720" cy="5727960"/>
+          </a:xfrm>
+          <a:prstGeom prst="rect">
+            <a:avLst/>
+          </a:prstGeom>
+          <a:ln w="18000">
+            <a:noFill/>
+          </a:ln>
+        </p:spPr>
+      </p:pic>
     </p:spTree>
   </p:cSld>
   <p:clrMap bg1="lt1" bg2="lt2" tx1="dk1" tx2="dk2" accent1="accent1" accent2="accent2" accent3="accent3" accent4="accent4" accent5="accent5" accent6="accent6" hlink="hlink" folHlink="folHlink"/>
   <p:sldLayoutIdLst>
-    <p:sldLayoutId id="2147483675" r:id="rId2"/>
-    <p:sldLayoutId id="2147483676" r:id="rId3"/>
-    <p:sldLayoutId id="2147483677" r:id="rId4"/>
-    <p:sldLayoutId id="2147483678" r:id="rId5"/>
-    <p:sldLayoutId id="2147483679" r:id="rId6"/>
-    <p:sldLayoutId id="2147483680" r:id="rId7"/>
-    <p:sldLayoutId id="2147483681" r:id="rId8"/>
-    <p:sldLayoutId id="2147483682" r:id="rId9"/>
-    <p:sldLayoutId id="2147483683" r:id="rId10"/>
-    <p:sldLayoutId id="2147483684" r:id="rId11"/>
-    <p:sldLayoutId id="2147483685" r:id="rId12"/>
-    <p:sldLayoutId id="2147483686" r:id="rId13"/>
+    <p:sldLayoutId id="2147483675" r:id="rId4"/>
+    <p:sldLayoutId id="2147483676" r:id="rId5"/>
+    <p:sldLayoutId id="2147483677" r:id="rId6"/>
+    <p:sldLayoutId id="2147483678" r:id="rId7"/>
+    <p:sldLayoutId id="2147483679" r:id="rId8"/>
+    <p:sldLayoutId id="2147483680" r:id="rId9"/>
+    <p:sldLayoutId id="2147483681" r:id="rId10"/>
+    <p:sldLayoutId id="2147483682" r:id="rId11"/>
+    <p:sldLayoutId id="2147483683" r:id="rId12"/>
+    <p:sldLayoutId id="2147483684" r:id="rId13"/>
+    <p:sldLayoutId id="2147483685" r:id="rId14"/>
+    <p:sldLayoutId id="2147483686" r:id="rId15"/>
   </p:sldLayoutIdLst>
 </p:sldMaster>
 </file>
@@ -17349,7 +17409,7 @@
       </p:grpSpPr>
       <p:sp>
         <p:nvSpPr>
-          <p:cNvPr id="232" name="PlaceHolder 1"/>
+          <p:cNvPr id="234" name="PlaceHolder 1"/>
           <p:cNvSpPr>
             <a:spLocks noGrp="1"/>
           </p:cNvSpPr>
@@ -17392,7 +17452,7 @@
       </p:sp>
       <p:sp>
         <p:nvSpPr>
-          <p:cNvPr id="233" name="PlaceHolder 2"/>
+          <p:cNvPr id="235" name="PlaceHolder 2"/>
           <p:cNvSpPr>
             <a:spLocks noGrp="1"/>
           </p:cNvSpPr>
@@ -17433,7 +17493,13 @@
               <a:rPr b="0" lang="es-AR" sz="3200" spc="-1" strike="noStrike">
                 <a:latin typeface="Arial"/>
               </a:rPr>
-              <a:t>Pulse para editar el formato de texto del esquema</a:t>
+              <a:t>Pulse para editar el formato de texto del </a:t>
+            </a:r>
+            <a:r>
+              <a:rPr b="0" lang="es-AR" sz="3200" spc="-1" strike="noStrike">
+                <a:latin typeface="Arial"/>
+              </a:rPr>
+              <a:t>esquema</a:t>
             </a:r>
             <a:endParaRPr b="0" lang="es-AR" sz="3200" spc="-1" strike="noStrike">
               <a:latin typeface="Arial"/>
@@ -17575,7 +17641,7 @@
       </p:sp>
       <p:sp>
         <p:nvSpPr>
-          <p:cNvPr id="234" name="PlaceHolder 3"/>
+          <p:cNvPr id="236" name="PlaceHolder 3"/>
           <p:cNvSpPr>
             <a:spLocks noGrp="1"/>
           </p:cNvSpPr>
@@ -17622,7 +17688,7 @@
       </p:sp>
       <p:sp>
         <p:nvSpPr>
-          <p:cNvPr id="235" name="PlaceHolder 4"/>
+          <p:cNvPr id="237" name="PlaceHolder 4"/>
           <p:cNvSpPr>
             <a:spLocks noGrp="1"/>
           </p:cNvSpPr>
@@ -17673,7 +17739,7 @@
       </p:sp>
       <p:sp>
         <p:nvSpPr>
-          <p:cNvPr id="236" name="PlaceHolder 5"/>
+          <p:cNvPr id="238" name="PlaceHolder 5"/>
           <p:cNvSpPr>
             <a:spLocks noGrp="1"/>
           </p:cNvSpPr>
@@ -17710,7 +17776,7 @@
             <a:pPr algn="r">
               <a:buNone/>
             </a:pPr>
-            <a:fld id="{B47A6FEC-6D01-4C28-B34B-A470A2DC017A}" type="slidenum">
+            <a:fld id="{179311F8-B9C3-457F-84E1-B49777B4A0C4}" type="slidenum">
               <a:rPr b="0" lang="es-AR" sz="1400" spc="-1" strike="noStrike">
                 <a:latin typeface="Arial"/>
               </a:rPr>
@@ -17724,12 +17790,14 @@
       </p:sp>
       <p:pic>
         <p:nvPicPr>
-          <p:cNvPr id="237" name="" descr=""/>
+          <p:cNvPr id="239" name="" descr=""/>
           <p:cNvPicPr/>
           <p:nvPr/>
         </p:nvPicPr>
         <p:blipFill>
-          <a:blip r:embed="rId2"/>
+          <a:blip r:embed="rId2">
+            <a:alphaModFix amt="70000"/>
+          </a:blip>
           <a:stretch/>
         </p:blipFill>
         <p:spPr>
@@ -17784,7 +17852,7 @@
       </p:grpSpPr>
       <p:sp>
         <p:nvSpPr>
-          <p:cNvPr id="274" name=""/>
+          <p:cNvPr id="276" name=""/>
           <p:cNvSpPr/>
           <p:nvPr/>
         </p:nvSpPr>
@@ -17814,7 +17882,7 @@
       </p:sp>
       <p:sp>
         <p:nvSpPr>
-          <p:cNvPr id="275" name=""/>
+          <p:cNvPr id="277" name=""/>
           <p:cNvSpPr/>
           <p:nvPr/>
         </p:nvSpPr>
@@ -17844,7 +17912,7 @@
       </p:sp>
       <p:sp>
         <p:nvSpPr>
-          <p:cNvPr id="276" name="PlaceHolder 1"/>
+          <p:cNvPr id="278" name="PlaceHolder 1"/>
           <p:cNvSpPr>
             <a:spLocks noGrp="1"/>
           </p:cNvSpPr>
@@ -18031,7 +18099,7 @@
       </p:sp>
       <p:sp>
         <p:nvSpPr>
-          <p:cNvPr id="277" name=""/>
+          <p:cNvPr id="279" name=""/>
           <p:cNvSpPr/>
           <p:nvPr/>
         </p:nvSpPr>
@@ -18062,7 +18130,7 @@
       </p:sp>
       <p:sp>
         <p:nvSpPr>
-          <p:cNvPr id="278" name=""/>
+          <p:cNvPr id="280" name=""/>
           <p:cNvSpPr/>
           <p:nvPr/>
         </p:nvSpPr>
@@ -18093,7 +18161,7 @@
       </p:sp>
       <p:sp>
         <p:nvSpPr>
-          <p:cNvPr id="279" name="PlaceHolder 2"/>
+          <p:cNvPr id="281" name="PlaceHolder 2"/>
           <p:cNvSpPr>
             <a:spLocks noGrp="1"/>
           </p:cNvSpPr>
@@ -18133,7 +18201,7 @@
       </p:sp>
       <p:sp>
         <p:nvSpPr>
-          <p:cNvPr id="280" name="PlaceHolder 3"/>
+          <p:cNvPr id="282" name="PlaceHolder 3"/>
           <p:cNvSpPr>
             <a:spLocks noGrp="1"/>
           </p:cNvSpPr>
@@ -18189,7 +18257,7 @@
       </p:sp>
       <p:sp>
         <p:nvSpPr>
-          <p:cNvPr id="281" name="PlaceHolder 4"/>
+          <p:cNvPr id="283" name="PlaceHolder 4"/>
           <p:cNvSpPr>
             <a:spLocks noGrp="1"/>
           </p:cNvSpPr>
@@ -18249,7 +18317,7 @@
       </p:sp>
       <p:sp>
         <p:nvSpPr>
-          <p:cNvPr id="282" name="PlaceHolder 5"/>
+          <p:cNvPr id="284" name="PlaceHolder 5"/>
           <p:cNvSpPr>
             <a:spLocks noGrp="1"/>
           </p:cNvSpPr>
@@ -18289,7 +18357,7 @@
             <a:pPr algn="r">
               <a:buNone/>
             </a:pPr>
-            <a:fld id="{998438C2-1D88-4FCE-AAAB-A8E71875E61C}" type="slidenum">
+            <a:fld id="{835F92B3-1478-41EC-8287-9585DE38A58E}" type="slidenum">
               <a:rPr b="0" lang="es-AR" sz="1400" spc="-1" strike="noStrike">
                 <a:solidFill>
                   <a:srgbClr val="eeeeee"/>
@@ -18346,7 +18414,7 @@
       </p:grpSpPr>
       <p:sp>
         <p:nvSpPr>
-          <p:cNvPr id="319" name="PlaceHolder 1"/>
+          <p:cNvPr id="321" name="PlaceHolder 1"/>
           <p:cNvSpPr>
             <a:spLocks noGrp="1"/>
           </p:cNvSpPr>
@@ -18380,7 +18448,7 @@
       </p:sp>
       <p:sp>
         <p:nvSpPr>
-          <p:cNvPr id="320" name="PlaceHolder 2"/>
+          <p:cNvPr id="322" name="PlaceHolder 2"/>
           <p:cNvSpPr>
             <a:spLocks noGrp="1"/>
           </p:cNvSpPr>
@@ -18447,7 +18515,7 @@
       </p:grpSpPr>
       <p:sp>
         <p:nvSpPr>
-          <p:cNvPr id="321" name="PlaceHolder 1"/>
+          <p:cNvPr id="323" name="PlaceHolder 1"/>
           <p:cNvSpPr>
             <a:spLocks noGrp="1"/>
           </p:cNvSpPr>
@@ -18484,7 +18552,7 @@
       </p:sp>
       <p:sp>
         <p:nvSpPr>
-          <p:cNvPr id="322" name="PlaceHolder 2"/>
+          <p:cNvPr id="324" name="PlaceHolder 2"/>
           <p:cNvSpPr>
             <a:spLocks noGrp="1"/>
           </p:cNvSpPr>
